--- a/figures/fig1/benchmarking-sv-callers-figures-v2.pptx
+++ b/figures/fig1/benchmarking-sv-callers-figures-v2.pptx
@@ -7,7 +7,7 @@
   <p:sldIdLst>
     <p:sldId id="256" r:id="rId2"/>
     <p:sldId id="257" r:id="rId3"/>
-    <p:sldId id="258" r:id="rId4"/>
+    <p:sldId id="262" r:id="rId4"/>
     <p:sldId id="259" r:id="rId5"/>
   </p:sldIdLst>
   <p:sldSz cx="12192000" cy="6858000"/>
@@ -107,6 +107,11 @@
       </a:defRPr>
     </a:lvl9pPr>
   </p:defaultTextStyle>
+  <p:extLst>
+    <p:ext uri="{EFAFB233-063F-42B5-8137-9DF3F51BA10A}">
+      <p15:sldGuideLst xmlns:p15="http://schemas.microsoft.com/office/powerpoint/2012/main"/>
+    </p:ext>
+  </p:extLst>
 </p:presentation>
 </file>
 
@@ -257,7 +262,7 @@
           <a:p>
             <a:fld id="{1A5FF841-D559-EC47-A4EA-BFFE6DFD4546}" type="datetimeFigureOut">
               <a:rPr lang="en-US" smtClean="0"/>
-              <a:t>2/18/20</a:t>
+              <a:t>2/19/20</a:t>
             </a:fld>
             <a:endParaRPr lang="en-US"/>
           </a:p>
@@ -455,7 +460,7 @@
           <a:p>
             <a:fld id="{1A5FF841-D559-EC47-A4EA-BFFE6DFD4546}" type="datetimeFigureOut">
               <a:rPr lang="en-US" smtClean="0"/>
-              <a:t>2/18/20</a:t>
+              <a:t>2/19/20</a:t>
             </a:fld>
             <a:endParaRPr lang="en-US"/>
           </a:p>
@@ -663,7 +668,7 @@
           <a:p>
             <a:fld id="{1A5FF841-D559-EC47-A4EA-BFFE6DFD4546}" type="datetimeFigureOut">
               <a:rPr lang="en-US" smtClean="0"/>
-              <a:t>2/18/20</a:t>
+              <a:t>2/19/20</a:t>
             </a:fld>
             <a:endParaRPr lang="en-US"/>
           </a:p>
@@ -861,7 +866,7 @@
           <a:p>
             <a:fld id="{1A5FF841-D559-EC47-A4EA-BFFE6DFD4546}" type="datetimeFigureOut">
               <a:rPr lang="en-US" smtClean="0"/>
-              <a:t>2/18/20</a:t>
+              <a:t>2/19/20</a:t>
             </a:fld>
             <a:endParaRPr lang="en-US"/>
           </a:p>
@@ -1136,7 +1141,7 @@
           <a:p>
             <a:fld id="{1A5FF841-D559-EC47-A4EA-BFFE6DFD4546}" type="datetimeFigureOut">
               <a:rPr lang="en-US" smtClean="0"/>
-              <a:t>2/18/20</a:t>
+              <a:t>2/19/20</a:t>
             </a:fld>
             <a:endParaRPr lang="en-US"/>
           </a:p>
@@ -1401,7 +1406,7 @@
           <a:p>
             <a:fld id="{1A5FF841-D559-EC47-A4EA-BFFE6DFD4546}" type="datetimeFigureOut">
               <a:rPr lang="en-US" smtClean="0"/>
-              <a:t>2/18/20</a:t>
+              <a:t>2/19/20</a:t>
             </a:fld>
             <a:endParaRPr lang="en-US"/>
           </a:p>
@@ -1813,7 +1818,7 @@
           <a:p>
             <a:fld id="{1A5FF841-D559-EC47-A4EA-BFFE6DFD4546}" type="datetimeFigureOut">
               <a:rPr lang="en-US" smtClean="0"/>
-              <a:t>2/18/20</a:t>
+              <a:t>2/19/20</a:t>
             </a:fld>
             <a:endParaRPr lang="en-US"/>
           </a:p>
@@ -1954,7 +1959,7 @@
           <a:p>
             <a:fld id="{1A5FF841-D559-EC47-A4EA-BFFE6DFD4546}" type="datetimeFigureOut">
               <a:rPr lang="en-US" smtClean="0"/>
-              <a:t>2/18/20</a:t>
+              <a:t>2/19/20</a:t>
             </a:fld>
             <a:endParaRPr lang="en-US"/>
           </a:p>
@@ -2067,7 +2072,7 @@
           <a:p>
             <a:fld id="{1A5FF841-D559-EC47-A4EA-BFFE6DFD4546}" type="datetimeFigureOut">
               <a:rPr lang="en-US" smtClean="0"/>
-              <a:t>2/18/20</a:t>
+              <a:t>2/19/20</a:t>
             </a:fld>
             <a:endParaRPr lang="en-US"/>
           </a:p>
@@ -2378,7 +2383,7 @@
           <a:p>
             <a:fld id="{1A5FF841-D559-EC47-A4EA-BFFE6DFD4546}" type="datetimeFigureOut">
               <a:rPr lang="en-US" smtClean="0"/>
-              <a:t>2/18/20</a:t>
+              <a:t>2/19/20</a:t>
             </a:fld>
             <a:endParaRPr lang="en-US"/>
           </a:p>
@@ -2666,7 +2671,7 @@
           <a:p>
             <a:fld id="{1A5FF841-D559-EC47-A4EA-BFFE6DFD4546}" type="datetimeFigureOut">
               <a:rPr lang="en-US" smtClean="0"/>
-              <a:t>2/18/20</a:t>
+              <a:t>2/19/20</a:t>
             </a:fld>
             <a:endParaRPr lang="en-US"/>
           </a:p>
@@ -2907,7 +2912,7 @@
           <a:p>
             <a:fld id="{1A5FF841-D559-EC47-A4EA-BFFE6DFD4546}" type="datetimeFigureOut">
               <a:rPr lang="en-US" smtClean="0"/>
-              <a:t>2/18/20</a:t>
+              <a:t>2/19/20</a:t>
             </a:fld>
             <a:endParaRPr lang="en-US"/>
           </a:p>
@@ -3359,6 +3364,461 @@
           </a:p>
         </p:txBody>
       </p:sp>
+      <p:sp>
+        <p:nvSpPr>
+          <p:cNvPr id="3" name="TextBox 2">
+            <a:extLst>
+              <a:ext uri="{FF2B5EF4-FFF2-40B4-BE49-F238E27FC236}">
+                <a16:creationId xmlns:a16="http://schemas.microsoft.com/office/drawing/2014/main" id="{450D1CC5-109C-974F-96DE-C682840D64B9}"/>
+              </a:ext>
+            </a:extLst>
+          </p:cNvPr>
+          <p:cNvSpPr txBox="1"/>
+          <p:nvPr/>
+        </p:nvSpPr>
+        <p:spPr>
+          <a:xfrm>
+            <a:off x="316307" y="735068"/>
+            <a:ext cx="304800" cy="369332"/>
+          </a:xfrm>
+          <a:prstGeom prst="rect">
+            <a:avLst/>
+          </a:prstGeom>
+          <a:noFill/>
+        </p:spPr>
+        <p:txBody>
+          <a:bodyPr wrap="square" rtlCol="0">
+            <a:spAutoFit/>
+          </a:bodyPr>
+          <a:lstStyle/>
+          <a:p>
+            <a:r>
+              <a:rPr lang="en-US" dirty="0"/>
+              <a:t>a</a:t>
+            </a:r>
+          </a:p>
+        </p:txBody>
+      </p:sp>
+      <p:pic>
+        <p:nvPicPr>
+          <p:cNvPr id="5" name="Picture 4" descr="A close up of a logo&#10;&#10;Description automatically generated">
+            <a:extLst>
+              <a:ext uri="{FF2B5EF4-FFF2-40B4-BE49-F238E27FC236}">
+                <a16:creationId xmlns:a16="http://schemas.microsoft.com/office/drawing/2014/main" id="{713B14AD-DF75-F148-A505-EC4080512080}"/>
+              </a:ext>
+            </a:extLst>
+          </p:cNvPr>
+          <p:cNvPicPr>
+            <a:picLocks noChangeAspect="1"/>
+          </p:cNvPicPr>
+          <p:nvPr/>
+        </p:nvPicPr>
+        <p:blipFill>
+          <a:blip r:embed="rId2"/>
+          <a:stretch>
+            <a:fillRect/>
+          </a:stretch>
+        </p:blipFill>
+        <p:spPr>
+          <a:xfrm>
+            <a:off x="541833" y="1061799"/>
+            <a:ext cx="2932683" cy="1932121"/>
+          </a:xfrm>
+          <a:prstGeom prst="rect">
+            <a:avLst/>
+          </a:prstGeom>
+        </p:spPr>
+      </p:pic>
+      <p:sp>
+        <p:nvSpPr>
+          <p:cNvPr id="8" name="TextBox 7">
+            <a:extLst>
+              <a:ext uri="{FF2B5EF4-FFF2-40B4-BE49-F238E27FC236}">
+                <a16:creationId xmlns:a16="http://schemas.microsoft.com/office/drawing/2014/main" id="{71CE837A-134E-0348-A636-F5E7FF08C33A}"/>
+              </a:ext>
+            </a:extLst>
+          </p:cNvPr>
+          <p:cNvSpPr txBox="1"/>
+          <p:nvPr/>
+        </p:nvSpPr>
+        <p:spPr>
+          <a:xfrm>
+            <a:off x="6598166" y="780023"/>
+            <a:ext cx="304800" cy="369332"/>
+          </a:xfrm>
+          <a:prstGeom prst="rect">
+            <a:avLst/>
+          </a:prstGeom>
+          <a:noFill/>
+        </p:spPr>
+        <p:txBody>
+          <a:bodyPr wrap="square" rtlCol="0">
+            <a:spAutoFit/>
+          </a:bodyPr>
+          <a:lstStyle/>
+          <a:p>
+            <a:r>
+              <a:rPr lang="en-US" dirty="0"/>
+              <a:t>c</a:t>
+            </a:r>
+          </a:p>
+        </p:txBody>
+      </p:sp>
+      <p:pic>
+        <p:nvPicPr>
+          <p:cNvPr id="14" name="Picture 13" descr="A screenshot of a cell phone&#10;&#10;Description automatically generated">
+            <a:extLst>
+              <a:ext uri="{FF2B5EF4-FFF2-40B4-BE49-F238E27FC236}">
+                <a16:creationId xmlns:a16="http://schemas.microsoft.com/office/drawing/2014/main" id="{2A17CBAB-BFD4-A541-873C-48299EC710F0}"/>
+              </a:ext>
+            </a:extLst>
+          </p:cNvPr>
+          <p:cNvPicPr>
+            <a:picLocks noChangeAspect="1"/>
+          </p:cNvPicPr>
+          <p:nvPr/>
+        </p:nvPicPr>
+        <p:blipFill>
+          <a:blip r:embed="rId3"/>
+          <a:stretch>
+            <a:fillRect/>
+          </a:stretch>
+        </p:blipFill>
+        <p:spPr>
+          <a:xfrm>
+            <a:off x="3829616" y="964689"/>
+            <a:ext cx="2704871" cy="1759479"/>
+          </a:xfrm>
+          <a:prstGeom prst="rect">
+            <a:avLst/>
+          </a:prstGeom>
+        </p:spPr>
+      </p:pic>
+      <p:sp>
+        <p:nvSpPr>
+          <p:cNvPr id="6" name="TextBox 5">
+            <a:extLst>
+              <a:ext uri="{FF2B5EF4-FFF2-40B4-BE49-F238E27FC236}">
+                <a16:creationId xmlns:a16="http://schemas.microsoft.com/office/drawing/2014/main" id="{122F45F8-B760-2641-A4DC-7D1EA5F48B1A}"/>
+              </a:ext>
+            </a:extLst>
+          </p:cNvPr>
+          <p:cNvSpPr txBox="1"/>
+          <p:nvPr/>
+        </p:nvSpPr>
+        <p:spPr>
+          <a:xfrm>
+            <a:off x="3677216" y="735068"/>
+            <a:ext cx="304800" cy="369332"/>
+          </a:xfrm>
+          <a:prstGeom prst="rect">
+            <a:avLst/>
+          </a:prstGeom>
+          <a:noFill/>
+        </p:spPr>
+        <p:txBody>
+          <a:bodyPr wrap="square" rtlCol="0">
+            <a:spAutoFit/>
+          </a:bodyPr>
+          <a:lstStyle/>
+          <a:p>
+            <a:r>
+              <a:rPr lang="en-US" dirty="0"/>
+              <a:t>b</a:t>
+            </a:r>
+          </a:p>
+        </p:txBody>
+      </p:sp>
+      <p:pic>
+        <p:nvPicPr>
+          <p:cNvPr id="16" name="Picture 15" descr="A pencil and paper&#10;&#10;Description automatically generated">
+            <a:extLst>
+              <a:ext uri="{FF2B5EF4-FFF2-40B4-BE49-F238E27FC236}">
+                <a16:creationId xmlns:a16="http://schemas.microsoft.com/office/drawing/2014/main" id="{EEC96072-CBD9-9F4E-B212-DE57BDDBB196}"/>
+              </a:ext>
+            </a:extLst>
+          </p:cNvPr>
+          <p:cNvPicPr>
+            <a:picLocks noChangeAspect="1"/>
+          </p:cNvPicPr>
+          <p:nvPr/>
+        </p:nvPicPr>
+        <p:blipFill>
+          <a:blip r:embed="rId4"/>
+          <a:stretch>
+            <a:fillRect/>
+          </a:stretch>
+        </p:blipFill>
+        <p:spPr>
+          <a:xfrm>
+            <a:off x="6966645" y="964689"/>
+            <a:ext cx="3764695" cy="1759479"/>
+          </a:xfrm>
+          <a:prstGeom prst="rect">
+            <a:avLst/>
+          </a:prstGeom>
+        </p:spPr>
+      </p:pic>
+      <p:sp>
+        <p:nvSpPr>
+          <p:cNvPr id="17" name="TextBox 16">
+            <a:extLst>
+              <a:ext uri="{FF2B5EF4-FFF2-40B4-BE49-F238E27FC236}">
+                <a16:creationId xmlns:a16="http://schemas.microsoft.com/office/drawing/2014/main" id="{BF25F5F5-E796-A245-A534-697533BA3149}"/>
+              </a:ext>
+            </a:extLst>
+          </p:cNvPr>
+          <p:cNvSpPr txBox="1"/>
+          <p:nvPr/>
+        </p:nvSpPr>
+        <p:spPr>
+          <a:xfrm>
+            <a:off x="316307" y="3244334"/>
+            <a:ext cx="304800" cy="369332"/>
+          </a:xfrm>
+          <a:prstGeom prst="rect">
+            <a:avLst/>
+          </a:prstGeom>
+          <a:noFill/>
+        </p:spPr>
+        <p:txBody>
+          <a:bodyPr wrap="square" rtlCol="0">
+            <a:spAutoFit/>
+          </a:bodyPr>
+          <a:lstStyle/>
+          <a:p>
+            <a:r>
+              <a:rPr lang="en-US" dirty="0"/>
+              <a:t>d</a:t>
+            </a:r>
+          </a:p>
+        </p:txBody>
+      </p:sp>
+      <p:pic>
+        <p:nvPicPr>
+          <p:cNvPr id="19" name="Picture 18" descr="A pencil and paper&#10;&#10;Description automatically generated">
+            <a:extLst>
+              <a:ext uri="{FF2B5EF4-FFF2-40B4-BE49-F238E27FC236}">
+                <a16:creationId xmlns:a16="http://schemas.microsoft.com/office/drawing/2014/main" id="{935FA980-4F4A-DD44-8F55-1DE050E5E1A8}"/>
+              </a:ext>
+            </a:extLst>
+          </p:cNvPr>
+          <p:cNvPicPr>
+            <a:picLocks noChangeAspect="1"/>
+          </p:cNvPicPr>
+          <p:nvPr/>
+        </p:nvPicPr>
+        <p:blipFill>
+          <a:blip r:embed="rId5"/>
+          <a:stretch>
+            <a:fillRect/>
+          </a:stretch>
+        </p:blipFill>
+        <p:spPr>
+          <a:xfrm>
+            <a:off x="621107" y="3429000"/>
+            <a:ext cx="3764696" cy="1759479"/>
+          </a:xfrm>
+          <a:prstGeom prst="rect">
+            <a:avLst/>
+          </a:prstGeom>
+        </p:spPr>
+      </p:pic>
+      <p:pic>
+        <p:nvPicPr>
+          <p:cNvPr id="22" name="Picture 21" descr="A screenshot of a cell phone&#10;&#10;Description automatically generated">
+            <a:extLst>
+              <a:ext uri="{FF2B5EF4-FFF2-40B4-BE49-F238E27FC236}">
+                <a16:creationId xmlns:a16="http://schemas.microsoft.com/office/drawing/2014/main" id="{17F8D5FB-2B18-164A-B817-3DF0C76DD29C}"/>
+              </a:ext>
+            </a:extLst>
+          </p:cNvPr>
+          <p:cNvPicPr>
+            <a:picLocks noChangeAspect="1"/>
+          </p:cNvPicPr>
+          <p:nvPr/>
+        </p:nvPicPr>
+        <p:blipFill>
+          <a:blip r:embed="rId6"/>
+          <a:stretch>
+            <a:fillRect/>
+          </a:stretch>
+        </p:blipFill>
+        <p:spPr>
+          <a:xfrm>
+            <a:off x="4690603" y="3343248"/>
+            <a:ext cx="3459896" cy="1930982"/>
+          </a:xfrm>
+          <a:prstGeom prst="rect">
+            <a:avLst/>
+          </a:prstGeom>
+        </p:spPr>
+      </p:pic>
+      <p:sp>
+        <p:nvSpPr>
+          <p:cNvPr id="20" name="TextBox 19">
+            <a:extLst>
+              <a:ext uri="{FF2B5EF4-FFF2-40B4-BE49-F238E27FC236}">
+                <a16:creationId xmlns:a16="http://schemas.microsoft.com/office/drawing/2014/main" id="{03D4AB3E-FC9D-734E-9E76-9D7087DEEB9C}"/>
+              </a:ext>
+            </a:extLst>
+          </p:cNvPr>
+          <p:cNvSpPr txBox="1"/>
+          <p:nvPr/>
+        </p:nvSpPr>
+        <p:spPr>
+          <a:xfrm>
+            <a:off x="4538203" y="3242371"/>
+            <a:ext cx="304800" cy="369332"/>
+          </a:xfrm>
+          <a:prstGeom prst="rect">
+            <a:avLst/>
+          </a:prstGeom>
+          <a:noFill/>
+        </p:spPr>
+        <p:txBody>
+          <a:bodyPr wrap="square" rtlCol="0">
+            <a:spAutoFit/>
+          </a:bodyPr>
+          <a:lstStyle/>
+          <a:p>
+            <a:r>
+              <a:rPr lang="en-US" dirty="0"/>
+              <a:t>e</a:t>
+            </a:r>
+          </a:p>
+        </p:txBody>
+      </p:sp>
+      <p:pic>
+        <p:nvPicPr>
+          <p:cNvPr id="24" name="Picture 23" descr="A screenshot of a cell phone&#10;&#10;Description automatically generated">
+            <a:extLst>
+              <a:ext uri="{FF2B5EF4-FFF2-40B4-BE49-F238E27FC236}">
+                <a16:creationId xmlns:a16="http://schemas.microsoft.com/office/drawing/2014/main" id="{649F7319-5DC0-2441-AEC9-478DCD51E677}"/>
+              </a:ext>
+            </a:extLst>
+          </p:cNvPr>
+          <p:cNvPicPr>
+            <a:picLocks noChangeAspect="1"/>
+          </p:cNvPicPr>
+          <p:nvPr/>
+        </p:nvPicPr>
+        <p:blipFill>
+          <a:blip r:embed="rId7"/>
+          <a:stretch>
+            <a:fillRect/>
+          </a:stretch>
+        </p:blipFill>
+        <p:spPr>
+          <a:xfrm>
+            <a:off x="8455299" y="3427037"/>
+            <a:ext cx="3459898" cy="1930983"/>
+          </a:xfrm>
+          <a:prstGeom prst="rect">
+            <a:avLst/>
+          </a:prstGeom>
+        </p:spPr>
+      </p:pic>
+      <p:sp>
+        <p:nvSpPr>
+          <p:cNvPr id="25" name="TextBox 24">
+            <a:extLst>
+              <a:ext uri="{FF2B5EF4-FFF2-40B4-BE49-F238E27FC236}">
+                <a16:creationId xmlns:a16="http://schemas.microsoft.com/office/drawing/2014/main" id="{54EB89AB-7903-B140-A8B2-59B2EB28438E}"/>
+              </a:ext>
+            </a:extLst>
+          </p:cNvPr>
+          <p:cNvSpPr txBox="1"/>
+          <p:nvPr/>
+        </p:nvSpPr>
+        <p:spPr>
+          <a:xfrm>
+            <a:off x="8302899" y="3242371"/>
+            <a:ext cx="334465" cy="369332"/>
+          </a:xfrm>
+          <a:prstGeom prst="rect">
+            <a:avLst/>
+          </a:prstGeom>
+          <a:noFill/>
+        </p:spPr>
+        <p:txBody>
+          <a:bodyPr wrap="square" rtlCol="0">
+            <a:spAutoFit/>
+          </a:bodyPr>
+          <a:lstStyle/>
+          <a:p>
+            <a:r>
+              <a:rPr lang="en-US" dirty="0"/>
+              <a:t>f</a:t>
+            </a:r>
+          </a:p>
+        </p:txBody>
+      </p:sp>
+      <p:sp>
+        <p:nvSpPr>
+          <p:cNvPr id="26" name="TextBox 25">
+            <a:extLst>
+              <a:ext uri="{FF2B5EF4-FFF2-40B4-BE49-F238E27FC236}">
+                <a16:creationId xmlns:a16="http://schemas.microsoft.com/office/drawing/2014/main" id="{2923B034-92B2-5149-B77D-8402FC7E59EF}"/>
+              </a:ext>
+            </a:extLst>
+          </p:cNvPr>
+          <p:cNvSpPr txBox="1"/>
+          <p:nvPr/>
+        </p:nvSpPr>
+        <p:spPr>
+          <a:xfrm>
+            <a:off x="258750" y="5204437"/>
+            <a:ext cx="419913" cy="369332"/>
+          </a:xfrm>
+          <a:prstGeom prst="rect">
+            <a:avLst/>
+          </a:prstGeom>
+          <a:noFill/>
+        </p:spPr>
+        <p:txBody>
+          <a:bodyPr wrap="square" rtlCol="0">
+            <a:spAutoFit/>
+          </a:bodyPr>
+          <a:lstStyle/>
+          <a:p>
+            <a:r>
+              <a:rPr lang="en-US" dirty="0"/>
+              <a:t>g</a:t>
+            </a:r>
+          </a:p>
+        </p:txBody>
+      </p:sp>
+      <p:pic>
+        <p:nvPicPr>
+          <p:cNvPr id="28" name="Picture 27">
+            <a:extLst>
+              <a:ext uri="{FF2B5EF4-FFF2-40B4-BE49-F238E27FC236}">
+                <a16:creationId xmlns:a16="http://schemas.microsoft.com/office/drawing/2014/main" id="{74FA7151-3AAC-3B46-9FA7-2CD015599D25}"/>
+              </a:ext>
+            </a:extLst>
+          </p:cNvPr>
+          <p:cNvPicPr>
+            <a:picLocks noChangeAspect="1"/>
+          </p:cNvPicPr>
+          <p:nvPr/>
+        </p:nvPicPr>
+        <p:blipFill>
+          <a:blip r:embed="rId8"/>
+          <a:stretch>
+            <a:fillRect/>
+          </a:stretch>
+        </p:blipFill>
+        <p:spPr>
+          <a:xfrm>
+            <a:off x="621107" y="5648821"/>
+            <a:ext cx="11294090" cy="795099"/>
+          </a:xfrm>
+          <a:prstGeom prst="rect">
+            <a:avLst/>
+          </a:prstGeom>
+        </p:spPr>
+      </p:pic>
     </p:spTree>
     <p:extLst>
       <p:ext uri="{BB962C8B-B14F-4D97-AF65-F5344CB8AC3E}">
@@ -3424,6 +3884,396 @@
           </a:p>
         </p:txBody>
       </p:sp>
+      <p:sp>
+        <p:nvSpPr>
+          <p:cNvPr id="5" name="TextBox 4">
+            <a:extLst>
+              <a:ext uri="{FF2B5EF4-FFF2-40B4-BE49-F238E27FC236}">
+                <a16:creationId xmlns:a16="http://schemas.microsoft.com/office/drawing/2014/main" id="{0408D0A8-343E-5B4D-A198-0BB52B54A8E2}"/>
+              </a:ext>
+            </a:extLst>
+          </p:cNvPr>
+          <p:cNvSpPr txBox="1"/>
+          <p:nvPr/>
+        </p:nvSpPr>
+        <p:spPr>
+          <a:xfrm>
+            <a:off x="1818175" y="384354"/>
+            <a:ext cx="295274" cy="369332"/>
+          </a:xfrm>
+          <a:prstGeom prst="rect">
+            <a:avLst/>
+          </a:prstGeom>
+          <a:noFill/>
+        </p:spPr>
+        <p:txBody>
+          <a:bodyPr wrap="square" rtlCol="0">
+            <a:spAutoFit/>
+          </a:bodyPr>
+          <a:lstStyle/>
+          <a:p>
+            <a:r>
+              <a:rPr lang="en-US" dirty="0"/>
+              <a:t>a</a:t>
+            </a:r>
+          </a:p>
+        </p:txBody>
+      </p:sp>
+      <p:sp>
+        <p:nvSpPr>
+          <p:cNvPr id="6" name="TextBox 5">
+            <a:extLst>
+              <a:ext uri="{FF2B5EF4-FFF2-40B4-BE49-F238E27FC236}">
+                <a16:creationId xmlns:a16="http://schemas.microsoft.com/office/drawing/2014/main" id="{E4B873C4-39C0-A54A-9B8F-CEFD0A8C0F43}"/>
+              </a:ext>
+            </a:extLst>
+          </p:cNvPr>
+          <p:cNvSpPr txBox="1"/>
+          <p:nvPr/>
+        </p:nvSpPr>
+        <p:spPr>
+          <a:xfrm>
+            <a:off x="6138373" y="386926"/>
+            <a:ext cx="306494" cy="369332"/>
+          </a:xfrm>
+          <a:prstGeom prst="rect">
+            <a:avLst/>
+          </a:prstGeom>
+          <a:noFill/>
+        </p:spPr>
+        <p:txBody>
+          <a:bodyPr wrap="none" rtlCol="0">
+            <a:spAutoFit/>
+          </a:bodyPr>
+          <a:lstStyle/>
+          <a:p>
+            <a:r>
+              <a:rPr lang="en-US" dirty="0"/>
+              <a:t>b</a:t>
+            </a:r>
+          </a:p>
+        </p:txBody>
+      </p:sp>
+      <p:sp>
+        <p:nvSpPr>
+          <p:cNvPr id="7" name="TextBox 6">
+            <a:extLst>
+              <a:ext uri="{FF2B5EF4-FFF2-40B4-BE49-F238E27FC236}">
+                <a16:creationId xmlns:a16="http://schemas.microsoft.com/office/drawing/2014/main" id="{9BCEF499-0034-3C4C-8A65-E6BDC781104F}"/>
+              </a:ext>
+            </a:extLst>
+          </p:cNvPr>
+          <p:cNvSpPr txBox="1"/>
+          <p:nvPr/>
+        </p:nvSpPr>
+        <p:spPr>
+          <a:xfrm>
+            <a:off x="1819742" y="2328190"/>
+            <a:ext cx="220671" cy="369332"/>
+          </a:xfrm>
+          <a:prstGeom prst="rect">
+            <a:avLst/>
+          </a:prstGeom>
+          <a:noFill/>
+        </p:spPr>
+        <p:txBody>
+          <a:bodyPr wrap="square" rtlCol="0">
+            <a:spAutoFit/>
+          </a:bodyPr>
+          <a:lstStyle/>
+          <a:p>
+            <a:r>
+              <a:rPr lang="en-US" dirty="0"/>
+              <a:t>c</a:t>
+            </a:r>
+          </a:p>
+        </p:txBody>
+      </p:sp>
+      <p:sp>
+        <p:nvSpPr>
+          <p:cNvPr id="8" name="TextBox 7">
+            <a:extLst>
+              <a:ext uri="{FF2B5EF4-FFF2-40B4-BE49-F238E27FC236}">
+                <a16:creationId xmlns:a16="http://schemas.microsoft.com/office/drawing/2014/main" id="{39C45284-2A66-D343-ADBB-B72505A6C5E1}"/>
+              </a:ext>
+            </a:extLst>
+          </p:cNvPr>
+          <p:cNvSpPr txBox="1"/>
+          <p:nvPr/>
+        </p:nvSpPr>
+        <p:spPr>
+          <a:xfrm>
+            <a:off x="6144266" y="2300239"/>
+            <a:ext cx="306494" cy="369332"/>
+          </a:xfrm>
+          <a:prstGeom prst="rect">
+            <a:avLst/>
+          </a:prstGeom>
+          <a:noFill/>
+        </p:spPr>
+        <p:txBody>
+          <a:bodyPr wrap="square" rtlCol="0">
+            <a:spAutoFit/>
+          </a:bodyPr>
+          <a:lstStyle/>
+          <a:p>
+            <a:r>
+              <a:rPr lang="en-US" dirty="0"/>
+              <a:t>d</a:t>
+            </a:r>
+          </a:p>
+        </p:txBody>
+      </p:sp>
+      <p:sp>
+        <p:nvSpPr>
+          <p:cNvPr id="9" name="TextBox 8">
+            <a:extLst>
+              <a:ext uri="{FF2B5EF4-FFF2-40B4-BE49-F238E27FC236}">
+                <a16:creationId xmlns:a16="http://schemas.microsoft.com/office/drawing/2014/main" id="{4AE0E280-2DF7-F74D-85D4-47E036223F4F}"/>
+              </a:ext>
+            </a:extLst>
+          </p:cNvPr>
+          <p:cNvSpPr txBox="1"/>
+          <p:nvPr/>
+        </p:nvSpPr>
+        <p:spPr>
+          <a:xfrm>
+            <a:off x="2040413" y="4452075"/>
+            <a:ext cx="272717" cy="369332"/>
+          </a:xfrm>
+          <a:prstGeom prst="rect">
+            <a:avLst/>
+          </a:prstGeom>
+          <a:noFill/>
+        </p:spPr>
+        <p:txBody>
+          <a:bodyPr wrap="square" rtlCol="0">
+            <a:spAutoFit/>
+          </a:bodyPr>
+          <a:lstStyle/>
+          <a:p>
+            <a:r>
+              <a:rPr lang="en-US" dirty="0"/>
+              <a:t>e</a:t>
+            </a:r>
+          </a:p>
+        </p:txBody>
+      </p:sp>
+      <p:sp>
+        <p:nvSpPr>
+          <p:cNvPr id="10" name="TextBox 9">
+            <a:extLst>
+              <a:ext uri="{FF2B5EF4-FFF2-40B4-BE49-F238E27FC236}">
+                <a16:creationId xmlns:a16="http://schemas.microsoft.com/office/drawing/2014/main" id="{7962CCE0-AB18-8C46-806C-BDD009E60913}"/>
+              </a:ext>
+            </a:extLst>
+          </p:cNvPr>
+          <p:cNvSpPr txBox="1"/>
+          <p:nvPr/>
+        </p:nvSpPr>
+        <p:spPr>
+          <a:xfrm>
+            <a:off x="6230562" y="4452075"/>
+            <a:ext cx="303952" cy="369332"/>
+          </a:xfrm>
+          <a:prstGeom prst="rect">
+            <a:avLst/>
+          </a:prstGeom>
+          <a:noFill/>
+        </p:spPr>
+        <p:txBody>
+          <a:bodyPr wrap="square" rtlCol="0">
+            <a:spAutoFit/>
+          </a:bodyPr>
+          <a:lstStyle/>
+          <a:p>
+            <a:r>
+              <a:rPr lang="en-US" dirty="0"/>
+              <a:t>f</a:t>
+            </a:r>
+          </a:p>
+        </p:txBody>
+      </p:sp>
+      <p:pic>
+        <p:nvPicPr>
+          <p:cNvPr id="11" name="Picture 10" descr="A pencil and paper&#10;&#10;Description automatically generated">
+            <a:extLst>
+              <a:ext uri="{FF2B5EF4-FFF2-40B4-BE49-F238E27FC236}">
+                <a16:creationId xmlns:a16="http://schemas.microsoft.com/office/drawing/2014/main" id="{049D2A3C-3D72-464F-973C-F8269DD0C14D}"/>
+              </a:ext>
+            </a:extLst>
+          </p:cNvPr>
+          <p:cNvPicPr>
+            <a:picLocks noChangeAspect="1"/>
+          </p:cNvPicPr>
+          <p:nvPr/>
+        </p:nvPicPr>
+        <p:blipFill>
+          <a:blip r:embed="rId2"/>
+          <a:stretch>
+            <a:fillRect/>
+          </a:stretch>
+        </p:blipFill>
+        <p:spPr>
+          <a:xfrm>
+            <a:off x="2113449" y="566757"/>
+            <a:ext cx="3729650" cy="1847850"/>
+          </a:xfrm>
+          <a:prstGeom prst="rect">
+            <a:avLst/>
+          </a:prstGeom>
+        </p:spPr>
+      </p:pic>
+      <p:pic>
+        <p:nvPicPr>
+          <p:cNvPr id="13" name="Picture 12" descr="A picture containing implement, stationary, pencil&#10;&#10;Description automatically generated">
+            <a:extLst>
+              <a:ext uri="{FF2B5EF4-FFF2-40B4-BE49-F238E27FC236}">
+                <a16:creationId xmlns:a16="http://schemas.microsoft.com/office/drawing/2014/main" id="{1984B98A-4CC7-244E-AE5E-B68A4E9E5220}"/>
+              </a:ext>
+            </a:extLst>
+          </p:cNvPr>
+          <p:cNvPicPr>
+            <a:picLocks noChangeAspect="1"/>
+          </p:cNvPicPr>
+          <p:nvPr/>
+        </p:nvPicPr>
+        <p:blipFill>
+          <a:blip r:embed="rId3"/>
+          <a:stretch>
+            <a:fillRect/>
+          </a:stretch>
+        </p:blipFill>
+        <p:spPr>
+          <a:xfrm>
+            <a:off x="6534514" y="566757"/>
+            <a:ext cx="3871928" cy="1847851"/>
+          </a:xfrm>
+          <a:prstGeom prst="rect">
+            <a:avLst/>
+          </a:prstGeom>
+        </p:spPr>
+      </p:pic>
+      <p:pic>
+        <p:nvPicPr>
+          <p:cNvPr id="15" name="Picture 14" descr="A pencil and paper&#10;&#10;Description automatically generated">
+            <a:extLst>
+              <a:ext uri="{FF2B5EF4-FFF2-40B4-BE49-F238E27FC236}">
+                <a16:creationId xmlns:a16="http://schemas.microsoft.com/office/drawing/2014/main" id="{A2D3C8DC-AC29-B642-841E-777144C41ACF}"/>
+              </a:ext>
+            </a:extLst>
+          </p:cNvPr>
+          <p:cNvPicPr>
+            <a:picLocks noChangeAspect="1"/>
+          </p:cNvPicPr>
+          <p:nvPr/>
+        </p:nvPicPr>
+        <p:blipFill>
+          <a:blip r:embed="rId4"/>
+          <a:stretch>
+            <a:fillRect/>
+          </a:stretch>
+        </p:blipFill>
+        <p:spPr>
+          <a:xfrm>
+            <a:off x="2113449" y="2650873"/>
+            <a:ext cx="3871928" cy="1847851"/>
+          </a:xfrm>
+          <a:prstGeom prst="rect">
+            <a:avLst/>
+          </a:prstGeom>
+        </p:spPr>
+      </p:pic>
+      <p:pic>
+        <p:nvPicPr>
+          <p:cNvPr id="17" name="Picture 16" descr="A pencil and paper&#10;&#10;Description automatically generated">
+            <a:extLst>
+              <a:ext uri="{FF2B5EF4-FFF2-40B4-BE49-F238E27FC236}">
+                <a16:creationId xmlns:a16="http://schemas.microsoft.com/office/drawing/2014/main" id="{26D58135-A568-4045-9498-4355ABD27697}"/>
+              </a:ext>
+            </a:extLst>
+          </p:cNvPr>
+          <p:cNvPicPr>
+            <a:picLocks noChangeAspect="1"/>
+          </p:cNvPicPr>
+          <p:nvPr/>
+        </p:nvPicPr>
+        <p:blipFill>
+          <a:blip r:embed="rId5"/>
+          <a:stretch>
+            <a:fillRect/>
+          </a:stretch>
+        </p:blipFill>
+        <p:spPr>
+          <a:xfrm>
+            <a:off x="6602736" y="2697522"/>
+            <a:ext cx="3871928" cy="1847851"/>
+          </a:xfrm>
+          <a:prstGeom prst="rect">
+            <a:avLst/>
+          </a:prstGeom>
+        </p:spPr>
+      </p:pic>
+      <p:pic>
+        <p:nvPicPr>
+          <p:cNvPr id="19" name="Picture 18" descr="A close up of a logo&#10;&#10;Description automatically generated">
+            <a:extLst>
+              <a:ext uri="{FF2B5EF4-FFF2-40B4-BE49-F238E27FC236}">
+                <a16:creationId xmlns:a16="http://schemas.microsoft.com/office/drawing/2014/main" id="{37C552BF-7A8D-0543-AA36-E6C8ED18238E}"/>
+              </a:ext>
+            </a:extLst>
+          </p:cNvPr>
+          <p:cNvPicPr>
+            <a:picLocks noChangeAspect="1"/>
+          </p:cNvPicPr>
+          <p:nvPr/>
+        </p:nvPicPr>
+        <p:blipFill>
+          <a:blip r:embed="rId6"/>
+          <a:stretch>
+            <a:fillRect/>
+          </a:stretch>
+        </p:blipFill>
+        <p:spPr>
+          <a:xfrm>
+            <a:off x="2558315" y="4636741"/>
+            <a:ext cx="3080935" cy="1963964"/>
+          </a:xfrm>
+          <a:prstGeom prst="rect">
+            <a:avLst/>
+          </a:prstGeom>
+        </p:spPr>
+      </p:pic>
+      <p:pic>
+        <p:nvPicPr>
+          <p:cNvPr id="21" name="Picture 20" descr="A close up of a logo&#10;&#10;Description automatically generated">
+            <a:extLst>
+              <a:ext uri="{FF2B5EF4-FFF2-40B4-BE49-F238E27FC236}">
+                <a16:creationId xmlns:a16="http://schemas.microsoft.com/office/drawing/2014/main" id="{2C62CF57-3234-894F-B86C-54CF9C2E881A}"/>
+              </a:ext>
+            </a:extLst>
+          </p:cNvPr>
+          <p:cNvPicPr>
+            <a:picLocks noChangeAspect="1"/>
+          </p:cNvPicPr>
+          <p:nvPr/>
+        </p:nvPicPr>
+        <p:blipFill>
+          <a:blip r:embed="rId7"/>
+          <a:stretch>
+            <a:fillRect/>
+          </a:stretch>
+        </p:blipFill>
+        <p:spPr>
+          <a:xfrm>
+            <a:off x="7125826" y="4636741"/>
+            <a:ext cx="3080935" cy="1963964"/>
+          </a:xfrm>
+          <a:prstGeom prst="rect">
+            <a:avLst/>
+          </a:prstGeom>
+        </p:spPr>
+      </p:pic>
     </p:spTree>
     <p:extLst>
       <p:ext uri="{BB962C8B-B14F-4D97-AF65-F5344CB8AC3E}">
@@ -3459,7 +4309,7 @@
           <p:cNvPr id="2" name="TextBox 1">
             <a:extLst>
               <a:ext uri="{FF2B5EF4-FFF2-40B4-BE49-F238E27FC236}">
-                <a16:creationId xmlns:a16="http://schemas.microsoft.com/office/drawing/2014/main" id="{3A29F512-E651-3641-903C-2104806311E2}"/>
+                <a16:creationId xmlns:a16="http://schemas.microsoft.com/office/drawing/2014/main" id="{3712CEA9-4A6F-3F43-8088-18BBDF107C96}"/>
               </a:ext>
             </a:extLst>
           </p:cNvPr>
@@ -3489,10 +4339,270 @@
           </a:p>
         </p:txBody>
       </p:sp>
+      <p:sp>
+        <p:nvSpPr>
+          <p:cNvPr id="5" name="TextBox 4">
+            <a:extLst>
+              <a:ext uri="{FF2B5EF4-FFF2-40B4-BE49-F238E27FC236}">
+                <a16:creationId xmlns:a16="http://schemas.microsoft.com/office/drawing/2014/main" id="{99EA471D-C38F-5949-AE12-1090FD6635E5}"/>
+              </a:ext>
+            </a:extLst>
+          </p:cNvPr>
+          <p:cNvSpPr txBox="1"/>
+          <p:nvPr/>
+        </p:nvSpPr>
+        <p:spPr>
+          <a:xfrm>
+            <a:off x="2361062" y="1224780"/>
+            <a:ext cx="295274" cy="369332"/>
+          </a:xfrm>
+          <a:prstGeom prst="rect">
+            <a:avLst/>
+          </a:prstGeom>
+          <a:noFill/>
+        </p:spPr>
+        <p:txBody>
+          <a:bodyPr wrap="none" rtlCol="0">
+            <a:spAutoFit/>
+          </a:bodyPr>
+          <a:lstStyle/>
+          <a:p>
+            <a:r>
+              <a:rPr lang="en-US" dirty="0"/>
+              <a:t>a</a:t>
+            </a:r>
+          </a:p>
+        </p:txBody>
+      </p:sp>
+      <p:sp>
+        <p:nvSpPr>
+          <p:cNvPr id="6" name="TextBox 5">
+            <a:extLst>
+              <a:ext uri="{FF2B5EF4-FFF2-40B4-BE49-F238E27FC236}">
+                <a16:creationId xmlns:a16="http://schemas.microsoft.com/office/drawing/2014/main" id="{222BE57E-3C0B-CA4A-830B-0108BB00B78F}"/>
+              </a:ext>
+            </a:extLst>
+          </p:cNvPr>
+          <p:cNvSpPr txBox="1"/>
+          <p:nvPr/>
+        </p:nvSpPr>
+        <p:spPr>
+          <a:xfrm>
+            <a:off x="6278228" y="1224780"/>
+            <a:ext cx="306494" cy="369332"/>
+          </a:xfrm>
+          <a:prstGeom prst="rect">
+            <a:avLst/>
+          </a:prstGeom>
+          <a:noFill/>
+        </p:spPr>
+        <p:txBody>
+          <a:bodyPr wrap="none" rtlCol="0">
+            <a:spAutoFit/>
+          </a:bodyPr>
+          <a:lstStyle/>
+          <a:p>
+            <a:r>
+              <a:rPr lang="en-US" dirty="0"/>
+              <a:t>b</a:t>
+            </a:r>
+          </a:p>
+        </p:txBody>
+      </p:sp>
+      <p:sp>
+        <p:nvSpPr>
+          <p:cNvPr id="9" name="TextBox 8">
+            <a:extLst>
+              <a:ext uri="{FF2B5EF4-FFF2-40B4-BE49-F238E27FC236}">
+                <a16:creationId xmlns:a16="http://schemas.microsoft.com/office/drawing/2014/main" id="{79738E1F-E55B-2B41-A815-AB6D32FE07F9}"/>
+              </a:ext>
+            </a:extLst>
+          </p:cNvPr>
+          <p:cNvSpPr txBox="1"/>
+          <p:nvPr/>
+        </p:nvSpPr>
+        <p:spPr>
+          <a:xfrm>
+            <a:off x="2373886" y="3429000"/>
+            <a:ext cx="282450" cy="369332"/>
+          </a:xfrm>
+          <a:prstGeom prst="rect">
+            <a:avLst/>
+          </a:prstGeom>
+          <a:noFill/>
+        </p:spPr>
+        <p:txBody>
+          <a:bodyPr wrap="none" rtlCol="0">
+            <a:spAutoFit/>
+          </a:bodyPr>
+          <a:lstStyle/>
+          <a:p>
+            <a:r>
+              <a:rPr lang="en-US" dirty="0"/>
+              <a:t>c</a:t>
+            </a:r>
+          </a:p>
+        </p:txBody>
+      </p:sp>
+      <p:sp>
+        <p:nvSpPr>
+          <p:cNvPr id="12" name="TextBox 11">
+            <a:extLst>
+              <a:ext uri="{FF2B5EF4-FFF2-40B4-BE49-F238E27FC236}">
+                <a16:creationId xmlns:a16="http://schemas.microsoft.com/office/drawing/2014/main" id="{3A016878-E311-8346-BB50-F97C92DC8432}"/>
+              </a:ext>
+            </a:extLst>
+          </p:cNvPr>
+          <p:cNvSpPr txBox="1"/>
+          <p:nvPr/>
+        </p:nvSpPr>
+        <p:spPr>
+          <a:xfrm>
+            <a:off x="6278228" y="3429000"/>
+            <a:ext cx="306494" cy="369332"/>
+          </a:xfrm>
+          <a:prstGeom prst="rect">
+            <a:avLst/>
+          </a:prstGeom>
+          <a:noFill/>
+        </p:spPr>
+        <p:txBody>
+          <a:bodyPr wrap="none" rtlCol="0">
+            <a:spAutoFit/>
+          </a:bodyPr>
+          <a:lstStyle/>
+          <a:p>
+            <a:r>
+              <a:rPr lang="en-US" dirty="0"/>
+              <a:t>d</a:t>
+            </a:r>
+          </a:p>
+        </p:txBody>
+      </p:sp>
+      <p:pic>
+        <p:nvPicPr>
+          <p:cNvPr id="26" name="Picture 25" descr="A screenshot of a cell phone&#10;&#10;Description automatically generated">
+            <a:extLst>
+              <a:ext uri="{FF2B5EF4-FFF2-40B4-BE49-F238E27FC236}">
+                <a16:creationId xmlns:a16="http://schemas.microsoft.com/office/drawing/2014/main" id="{B4BE1DCE-84BA-AB43-B143-DB8108536764}"/>
+              </a:ext>
+            </a:extLst>
+          </p:cNvPr>
+          <p:cNvPicPr>
+            <a:picLocks noChangeAspect="1"/>
+          </p:cNvPicPr>
+          <p:nvPr/>
+        </p:nvPicPr>
+        <p:blipFill>
+          <a:blip r:embed="rId2"/>
+          <a:stretch>
+            <a:fillRect/>
+          </a:stretch>
+        </p:blipFill>
+        <p:spPr>
+          <a:xfrm>
+            <a:off x="2656336" y="1443236"/>
+            <a:ext cx="3316936" cy="2170430"/>
+          </a:xfrm>
+          <a:prstGeom prst="rect">
+            <a:avLst/>
+          </a:prstGeom>
+        </p:spPr>
+      </p:pic>
+      <p:pic>
+        <p:nvPicPr>
+          <p:cNvPr id="28" name="Picture 27" descr="A screenshot of a cell phone&#10;&#10;Description automatically generated">
+            <a:extLst>
+              <a:ext uri="{FF2B5EF4-FFF2-40B4-BE49-F238E27FC236}">
+                <a16:creationId xmlns:a16="http://schemas.microsoft.com/office/drawing/2014/main" id="{C4DD6BB3-DE2B-BC4E-87C9-F1C673726944}"/>
+              </a:ext>
+            </a:extLst>
+          </p:cNvPr>
+          <p:cNvPicPr>
+            <a:picLocks noChangeAspect="1"/>
+          </p:cNvPicPr>
+          <p:nvPr/>
+        </p:nvPicPr>
+        <p:blipFill>
+          <a:blip r:embed="rId3"/>
+          <a:stretch>
+            <a:fillRect/>
+          </a:stretch>
+        </p:blipFill>
+        <p:spPr>
+          <a:xfrm>
+            <a:off x="6584722" y="1409446"/>
+            <a:ext cx="3252040" cy="2170430"/>
+          </a:xfrm>
+          <a:prstGeom prst="rect">
+            <a:avLst/>
+          </a:prstGeom>
+        </p:spPr>
+      </p:pic>
+      <p:pic>
+        <p:nvPicPr>
+          <p:cNvPr id="32" name="Picture 31" descr="A screenshot of a cell phone&#10;&#10;Description automatically generated">
+            <a:extLst>
+              <a:ext uri="{FF2B5EF4-FFF2-40B4-BE49-F238E27FC236}">
+                <a16:creationId xmlns:a16="http://schemas.microsoft.com/office/drawing/2014/main" id="{396C71CC-B299-8B4B-818C-3079DF75B7E6}"/>
+              </a:ext>
+            </a:extLst>
+          </p:cNvPr>
+          <p:cNvPicPr>
+            <a:picLocks noChangeAspect="1"/>
+          </p:cNvPicPr>
+          <p:nvPr/>
+        </p:nvPicPr>
+        <p:blipFill>
+          <a:blip r:embed="rId4"/>
+          <a:stretch>
+            <a:fillRect/>
+          </a:stretch>
+        </p:blipFill>
+        <p:spPr>
+          <a:xfrm>
+            <a:off x="2656336" y="3798332"/>
+            <a:ext cx="3316936" cy="2170430"/>
+          </a:xfrm>
+          <a:prstGeom prst="rect">
+            <a:avLst/>
+          </a:prstGeom>
+        </p:spPr>
+      </p:pic>
+      <p:pic>
+        <p:nvPicPr>
+          <p:cNvPr id="34" name="Picture 33" descr="A screenshot of a cell phone&#10;&#10;Description automatically generated">
+            <a:extLst>
+              <a:ext uri="{FF2B5EF4-FFF2-40B4-BE49-F238E27FC236}">
+                <a16:creationId xmlns:a16="http://schemas.microsoft.com/office/drawing/2014/main" id="{16BCF8B9-D104-AF4D-B181-040C9E6B6ED8}"/>
+              </a:ext>
+            </a:extLst>
+          </p:cNvPr>
+          <p:cNvPicPr>
+            <a:picLocks noChangeAspect="1"/>
+          </p:cNvPicPr>
+          <p:nvPr/>
+        </p:nvPicPr>
+        <p:blipFill>
+          <a:blip r:embed="rId5"/>
+          <a:stretch>
+            <a:fillRect/>
+          </a:stretch>
+        </p:blipFill>
+        <p:spPr>
+          <a:xfrm>
+            <a:off x="6584722" y="3798332"/>
+            <a:ext cx="3316936" cy="2170430"/>
+          </a:xfrm>
+          <a:prstGeom prst="rect">
+            <a:avLst/>
+          </a:prstGeom>
+        </p:spPr>
+      </p:pic>
     </p:spTree>
     <p:extLst>
       <p:ext uri="{BB962C8B-B14F-4D97-AF65-F5344CB8AC3E}">
-        <p14:creationId xmlns:p14="http://schemas.microsoft.com/office/powerpoint/2010/main" val="3887618332"/>
+        <p14:creationId xmlns:p14="http://schemas.microsoft.com/office/powerpoint/2010/main" val="3702512390"/>
       </p:ext>
     </p:extLst>
   </p:cSld>
